--- a/osi-and-tcp.pptx
+++ b/osi-and-tcp.pptx
@@ -296,7 +296,7 @@
           <a:p>
             <a:fld id="{CAAB9D01-5540-428C-A79E-0467007F64F0}" type="datetimeFigureOut">
               <a:rPr lang="ko-KR" altLang="en-US" smtClean="0"/>
-              <a:t>2020-07-12</a:t>
+              <a:t>2020-07-21</a:t>
             </a:fld>
             <a:endParaRPr lang="ko-KR" altLang="en-US"/>
           </a:p>
@@ -494,7 +494,7 @@
           <a:p>
             <a:fld id="{CAAB9D01-5540-428C-A79E-0467007F64F0}" type="datetimeFigureOut">
               <a:rPr lang="ko-KR" altLang="en-US" smtClean="0"/>
-              <a:t>2020-07-12</a:t>
+              <a:t>2020-07-21</a:t>
             </a:fld>
             <a:endParaRPr lang="ko-KR" altLang="en-US"/>
           </a:p>
@@ -702,7 +702,7 @@
           <a:p>
             <a:fld id="{CAAB9D01-5540-428C-A79E-0467007F64F0}" type="datetimeFigureOut">
               <a:rPr lang="ko-KR" altLang="en-US" smtClean="0"/>
-              <a:t>2020-07-12</a:t>
+              <a:t>2020-07-21</a:t>
             </a:fld>
             <a:endParaRPr lang="ko-KR" altLang="en-US"/>
           </a:p>
@@ -900,7 +900,7 @@
           <a:p>
             <a:fld id="{CAAB9D01-5540-428C-A79E-0467007F64F0}" type="datetimeFigureOut">
               <a:rPr lang="ko-KR" altLang="en-US" smtClean="0"/>
-              <a:t>2020-07-12</a:t>
+              <a:t>2020-07-21</a:t>
             </a:fld>
             <a:endParaRPr lang="ko-KR" altLang="en-US"/>
           </a:p>
@@ -1175,7 +1175,7 @@
           <a:p>
             <a:fld id="{CAAB9D01-5540-428C-A79E-0467007F64F0}" type="datetimeFigureOut">
               <a:rPr lang="ko-KR" altLang="en-US" smtClean="0"/>
-              <a:t>2020-07-12</a:t>
+              <a:t>2020-07-21</a:t>
             </a:fld>
             <a:endParaRPr lang="ko-KR" altLang="en-US"/>
           </a:p>
@@ -1440,7 +1440,7 @@
           <a:p>
             <a:fld id="{CAAB9D01-5540-428C-A79E-0467007F64F0}" type="datetimeFigureOut">
               <a:rPr lang="ko-KR" altLang="en-US" smtClean="0"/>
-              <a:t>2020-07-12</a:t>
+              <a:t>2020-07-21</a:t>
             </a:fld>
             <a:endParaRPr lang="ko-KR" altLang="en-US"/>
           </a:p>
@@ -1852,7 +1852,7 @@
           <a:p>
             <a:fld id="{CAAB9D01-5540-428C-A79E-0467007F64F0}" type="datetimeFigureOut">
               <a:rPr lang="ko-KR" altLang="en-US" smtClean="0"/>
-              <a:t>2020-07-12</a:t>
+              <a:t>2020-07-21</a:t>
             </a:fld>
             <a:endParaRPr lang="ko-KR" altLang="en-US"/>
           </a:p>
@@ -1993,7 +1993,7 @@
           <a:p>
             <a:fld id="{CAAB9D01-5540-428C-A79E-0467007F64F0}" type="datetimeFigureOut">
               <a:rPr lang="ko-KR" altLang="en-US" smtClean="0"/>
-              <a:t>2020-07-12</a:t>
+              <a:t>2020-07-21</a:t>
             </a:fld>
             <a:endParaRPr lang="ko-KR" altLang="en-US"/>
           </a:p>
@@ -2106,7 +2106,7 @@
           <a:p>
             <a:fld id="{CAAB9D01-5540-428C-A79E-0467007F64F0}" type="datetimeFigureOut">
               <a:rPr lang="ko-KR" altLang="en-US" smtClean="0"/>
-              <a:t>2020-07-12</a:t>
+              <a:t>2020-07-21</a:t>
             </a:fld>
             <a:endParaRPr lang="ko-KR" altLang="en-US"/>
           </a:p>
@@ -2417,7 +2417,7 @@
           <a:p>
             <a:fld id="{CAAB9D01-5540-428C-A79E-0467007F64F0}" type="datetimeFigureOut">
               <a:rPr lang="ko-KR" altLang="en-US" smtClean="0"/>
-              <a:t>2020-07-12</a:t>
+              <a:t>2020-07-21</a:t>
             </a:fld>
             <a:endParaRPr lang="ko-KR" altLang="en-US"/>
           </a:p>
@@ -2705,7 +2705,7 @@
           <a:p>
             <a:fld id="{CAAB9D01-5540-428C-A79E-0467007F64F0}" type="datetimeFigureOut">
               <a:rPr lang="ko-KR" altLang="en-US" smtClean="0"/>
-              <a:t>2020-07-12</a:t>
+              <a:t>2020-07-21</a:t>
             </a:fld>
             <a:endParaRPr lang="ko-KR" altLang="en-US"/>
           </a:p>
@@ -2946,7 +2946,7 @@
           <a:p>
             <a:fld id="{CAAB9D01-5540-428C-A79E-0467007F64F0}" type="datetimeFigureOut">
               <a:rPr lang="ko-KR" altLang="en-US" smtClean="0"/>
-              <a:t>2020-07-12</a:t>
+              <a:t>2020-07-21</a:t>
             </a:fld>
             <a:endParaRPr lang="ko-KR" altLang="en-US"/>
           </a:p>
@@ -3378,7 +3378,7 @@
           <p:nvPr>
             <p:extLst>
               <p:ext uri="{D42A27DB-BD31-4B8C-83A1-F6EECF244321}">
-                <p14:modId xmlns:p14="http://schemas.microsoft.com/office/powerpoint/2010/main" val="1916973443"/>
+                <p14:modId xmlns:p14="http://schemas.microsoft.com/office/powerpoint/2010/main" val="3268604725"/>
               </p:ext>
             </p:extLst>
           </p:nvPr>
@@ -3554,15 +3554,23 @@
                   </a:txBody>
                   <a:tcPr/>
                 </a:tc>
-                <a:tc>
+                <a:tc rowSpan="3">
                   <a:txBody>
                     <a:bodyPr/>
                     <a:lstStyle/>
                     <a:p>
                       <a:pPr algn="ctr" latinLnBrk="1"/>
                       <a:r>
+                        <a:rPr lang="en-US" altLang="ko-KR" sz="2800" dirty="0"/>
+                        <a:t>L7(</a:t>
+                      </a:r>
+                      <a:r>
+                        <a:rPr lang="ko-KR" altLang="en-US" sz="2800" dirty="0"/>
+                        <a:t>방화벽</a:t>
+                      </a:r>
+                      <a:r>
                         <a:rPr lang="en-US" altLang="ko-KR" sz="2800"/>
-                        <a:t>7</a:t>
+                        <a:t>)</a:t>
                       </a:r>
                       <a:endParaRPr lang="ko-KR" altLang="en-US" sz="2800" dirty="0"/>
                     </a:p>
@@ -3652,16 +3660,12 @@
                   </a:txBody>
                   <a:tcPr/>
                 </a:tc>
-                <a:tc>
+                <a:tc vMerge="1">
                   <a:txBody>
                     <a:bodyPr/>
                     <a:lstStyle/>
                     <a:p>
                       <a:pPr algn="ctr" latinLnBrk="1"/>
-                      <a:r>
-                        <a:rPr lang="en-US" altLang="ko-KR" sz="2800" dirty="0"/>
-                        <a:t>6</a:t>
-                      </a:r>
                       <a:endParaRPr lang="ko-KR" altLang="en-US" sz="2800" dirty="0"/>
                     </a:p>
                   </a:txBody>
@@ -3734,16 +3738,12 @@
                   </a:txBody>
                   <a:tcPr/>
                 </a:tc>
-                <a:tc>
+                <a:tc vMerge="1">
                   <a:txBody>
                     <a:bodyPr/>
                     <a:lstStyle/>
                     <a:p>
                       <a:pPr algn="ctr" latinLnBrk="1"/>
-                      <a:r>
-                        <a:rPr lang="en-US" altLang="ko-KR" sz="2800" dirty="0"/>
-                        <a:t>5</a:t>
-                      </a:r>
                       <a:endParaRPr lang="ko-KR" altLang="en-US" sz="2800" dirty="0"/>
                     </a:p>
                   </a:txBody>
@@ -3824,7 +3824,7 @@
                       <a:pPr algn="ctr" latinLnBrk="1"/>
                       <a:r>
                         <a:rPr lang="en-US" altLang="ko-KR" sz="2800" dirty="0"/>
-                        <a:t>4</a:t>
+                        <a:t>L4(NAT)</a:t>
                       </a:r>
                       <a:endParaRPr lang="ko-KR" altLang="en-US" sz="2800" dirty="0"/>
                     </a:p>
@@ -3922,7 +3922,15 @@
                       <a:pPr algn="ctr" latinLnBrk="1"/>
                       <a:r>
                         <a:rPr lang="en-US" altLang="ko-KR" sz="2800" dirty="0"/>
-                        <a:t>3</a:t>
+                        <a:t>L3(</a:t>
+                      </a:r>
+                      <a:r>
+                        <a:rPr lang="ko-KR" altLang="en-US" sz="2800" dirty="0"/>
+                        <a:t>라우터</a:t>
+                      </a:r>
+                      <a:r>
+                        <a:rPr lang="en-US" altLang="ko-KR" sz="2800" dirty="0"/>
+                        <a:t>)</a:t>
                       </a:r>
                       <a:endParaRPr lang="ko-KR" altLang="en-US" sz="2800" dirty="0"/>
                     </a:p>
@@ -4020,7 +4028,15 @@
                       <a:pPr algn="ctr" latinLnBrk="1"/>
                       <a:r>
                         <a:rPr lang="en-US" altLang="ko-KR" sz="2800" dirty="0"/>
-                        <a:t>2</a:t>
+                        <a:t>L2(</a:t>
+                      </a:r>
+                      <a:r>
+                        <a:rPr lang="ko-KR" altLang="en-US" sz="2800" dirty="0"/>
+                        <a:t>스위치</a:t>
+                      </a:r>
+                      <a:r>
+                        <a:rPr lang="en-US" altLang="ko-KR" sz="2800" dirty="0"/>
+                        <a:t>)</a:t>
                       </a:r>
                       <a:endParaRPr lang="ko-KR" altLang="en-US" sz="2800" dirty="0"/>
                     </a:p>
@@ -4118,7 +4134,7 @@
                       <a:pPr algn="ctr" latinLnBrk="1"/>
                       <a:r>
                         <a:rPr lang="en-US" altLang="ko-KR" sz="2800" dirty="0"/>
-                        <a:t>1</a:t>
+                        <a:t>L1</a:t>
                       </a:r>
                       <a:endParaRPr lang="ko-KR" altLang="en-US" sz="2800" dirty="0"/>
                     </a:p>
